--- a/FSM.pptx
+++ b/FSM.pptx
@@ -104,6 +104,11 @@
       </a:defRPr>
     </a:lvl9pPr>
   </p:defaultTextStyle>
+  <p:extLst>
+    <p:ext uri="{EFAFB233-063F-42B5-8137-9DF3F51BA10A}">
+      <p15:sldGuideLst xmlns:p15="http://schemas.microsoft.com/office/powerpoint/2012/main"/>
+    </p:ext>
+  </p:extLst>
 </p:presentation>
 </file>
 
@@ -3323,10 +3328,10 @@
       </p:grpSpPr>
       <p:sp>
         <p:nvSpPr>
-          <p:cNvPr id="4" name="사각형: 둥근 모서리 3">
-            <a:extLst>
-              <a:ext uri="{FF2B5EF4-FFF2-40B4-BE49-F238E27FC236}">
-                <a16:creationId xmlns:a16="http://schemas.microsoft.com/office/drawing/2014/main" id="{15CFAD2E-8CC1-4667-BCE4-6AD213C433A2}"/>
+          <p:cNvPr id="13" name="사각형: 둥근 모서리 12">
+            <a:extLst>
+              <a:ext uri="{FF2B5EF4-FFF2-40B4-BE49-F238E27FC236}">
+                <a16:creationId xmlns:a16="http://schemas.microsoft.com/office/drawing/2014/main" id="{F0B0ED39-59F5-4C70-A02A-1B2E3B00F6C3}"/>
               </a:ext>
             </a:extLst>
           </p:cNvPr>
@@ -3335,7 +3340,109 @@
         </p:nvSpPr>
         <p:spPr>
           <a:xfrm>
-            <a:off x="2770909" y="2811483"/>
+            <a:off x="503712" y="34905"/>
+            <a:ext cx="11184576" cy="6788191"/>
+          </a:xfrm>
+          <a:prstGeom prst="roundRect">
+            <a:avLst/>
+          </a:prstGeom>
+          <a:ln w="76200">
+            <a:solidFill>
+              <a:schemeClr val="accent3">
+                <a:lumMod val="50000"/>
+              </a:schemeClr>
+            </a:solidFill>
+          </a:ln>
+        </p:spPr>
+        <p:style>
+          <a:lnRef idx="2">
+            <a:schemeClr val="accent6"/>
+          </a:lnRef>
+          <a:fillRef idx="1">
+            <a:schemeClr val="lt1"/>
+          </a:fillRef>
+          <a:effectRef idx="0">
+            <a:schemeClr val="accent6"/>
+          </a:effectRef>
+          <a:fontRef idx="minor">
+            <a:schemeClr val="dk1"/>
+          </a:fontRef>
+        </p:style>
+        <p:txBody>
+          <a:bodyPr rtlCol="0" anchor="ctr"/>
+          <a:lstStyle/>
+          <a:p>
+            <a:pPr algn="ctr"/>
+            <a:endParaRPr lang="ko-KR" altLang="en-US" dirty="0"/>
+          </a:p>
+        </p:txBody>
+      </p:sp>
+      <p:sp>
+        <p:nvSpPr>
+          <p:cNvPr id="2" name="사각형: 둥근 모서리 1">
+            <a:extLst>
+              <a:ext uri="{FF2B5EF4-FFF2-40B4-BE49-F238E27FC236}">
+                <a16:creationId xmlns:a16="http://schemas.microsoft.com/office/drawing/2014/main" id="{58F403D2-4470-4CAE-87C1-8AEA82833A85}"/>
+              </a:ext>
+            </a:extLst>
+          </p:cNvPr>
+          <p:cNvSpPr/>
+          <p:nvPr/>
+        </p:nvSpPr>
+        <p:spPr>
+          <a:xfrm>
+            <a:off x="2738250" y="255722"/>
+            <a:ext cx="8779824" cy="6161366"/>
+          </a:xfrm>
+          <a:prstGeom prst="roundRect">
+            <a:avLst/>
+          </a:prstGeom>
+          <a:ln w="76200">
+            <a:solidFill>
+              <a:schemeClr val="accent2">
+                <a:lumMod val="50000"/>
+              </a:schemeClr>
+            </a:solidFill>
+          </a:ln>
+        </p:spPr>
+        <p:style>
+          <a:lnRef idx="2">
+            <a:schemeClr val="accent6"/>
+          </a:lnRef>
+          <a:fillRef idx="1">
+            <a:schemeClr val="lt1"/>
+          </a:fillRef>
+          <a:effectRef idx="0">
+            <a:schemeClr val="accent6"/>
+          </a:effectRef>
+          <a:fontRef idx="minor">
+            <a:schemeClr val="dk1"/>
+          </a:fontRef>
+        </p:style>
+        <p:txBody>
+          <a:bodyPr rtlCol="0" anchor="ctr"/>
+          <a:lstStyle/>
+          <a:p>
+            <a:pPr algn="ctr"/>
+            <a:endParaRPr lang="ko-KR" altLang="en-US" dirty="0"/>
+          </a:p>
+        </p:txBody>
+      </p:sp>
+      <p:sp>
+        <p:nvSpPr>
+          <p:cNvPr id="4" name="사각형: 둥근 모서리 3">
+            <a:extLst>
+              <a:ext uri="{FF2B5EF4-FFF2-40B4-BE49-F238E27FC236}">
+                <a16:creationId xmlns:a16="http://schemas.microsoft.com/office/drawing/2014/main" id="{15CFAD2E-8CC1-4667-BCE4-6AD213C433A2}"/>
+              </a:ext>
+            </a:extLst>
+          </p:cNvPr>
+          <p:cNvSpPr/>
+          <p:nvPr/>
+        </p:nvSpPr>
+        <p:spPr>
+          <a:xfrm>
+            <a:off x="4803689" y="2811484"/>
             <a:ext cx="2066307" cy="1235034"/>
           </a:xfrm>
           <a:prstGeom prst="roundRect">
@@ -3461,7 +3568,7 @@
         </p:nvSpPr>
         <p:spPr>
           <a:xfrm>
-            <a:off x="6772892" y="2811483"/>
+            <a:off x="8805672" y="2811484"/>
             <a:ext cx="2066307" cy="1235034"/>
           </a:xfrm>
           <a:prstGeom prst="roundRect">
@@ -3587,7 +3694,7 @@
         </p:nvSpPr>
         <p:spPr>
           <a:xfrm>
-            <a:off x="6772893" y="733301"/>
+            <a:off x="8805673" y="733302"/>
             <a:ext cx="2066307" cy="1235034"/>
           </a:xfrm>
           <a:prstGeom prst="roundRect">
@@ -3713,7 +3820,7 @@
         </p:nvSpPr>
         <p:spPr>
           <a:xfrm>
-            <a:off x="6772891" y="4889665"/>
+            <a:off x="8805671" y="4889666"/>
             <a:ext cx="2066307" cy="1235034"/>
           </a:xfrm>
           <a:prstGeom prst="roundRect">
@@ -3842,7 +3949,7 @@
         </p:nvCxnSpPr>
         <p:spPr>
           <a:xfrm rot="5400000" flipH="1" flipV="1">
-            <a:off x="4558146" y="596736"/>
+            <a:off x="6590926" y="596737"/>
             <a:ext cx="1460665" cy="2968830"/>
           </a:xfrm>
           <a:prstGeom prst="bentConnector2">
@@ -3888,7 +3995,7 @@
         </p:nvCxnSpPr>
         <p:spPr>
           <a:xfrm flipV="1">
-            <a:off x="7806046" y="1968335"/>
+            <a:off x="9838826" y="1968336"/>
             <a:ext cx="1" cy="843148"/>
           </a:xfrm>
           <a:prstGeom prst="straightConnector1">
@@ -3933,7 +4040,7 @@
         </p:nvCxnSpPr>
         <p:spPr>
           <a:xfrm>
-            <a:off x="4837216" y="3429000"/>
+            <a:off x="6869996" y="3429001"/>
             <a:ext cx="1935676" cy="0"/>
           </a:xfrm>
           <a:prstGeom prst="straightConnector1">
@@ -3980,7 +4087,7 @@
         </p:nvCxnSpPr>
         <p:spPr>
           <a:xfrm rot="16200000" flipH="1">
-            <a:off x="4558145" y="3292435"/>
+            <a:off x="6590925" y="3292436"/>
             <a:ext cx="1460665" cy="2968828"/>
           </a:xfrm>
           <a:prstGeom prst="bentConnector2">
@@ -4009,6 +4116,148 @@
           </a:fontRef>
         </p:style>
       </p:cxnSp>
+      <p:sp>
+        <p:nvSpPr>
+          <p:cNvPr id="3" name="TextBox 2">
+            <a:extLst>
+              <a:ext uri="{FF2B5EF4-FFF2-40B4-BE49-F238E27FC236}">
+                <a16:creationId xmlns:a16="http://schemas.microsoft.com/office/drawing/2014/main" id="{ACBF4A3B-0ED5-43D2-AEEB-C6F370861F36}"/>
+              </a:ext>
+            </a:extLst>
+          </p:cNvPr>
+          <p:cNvSpPr txBox="1"/>
+          <p:nvPr/>
+        </p:nvSpPr>
+        <p:spPr>
+          <a:xfrm>
+            <a:off x="3320142" y="440914"/>
+            <a:ext cx="2967094" cy="800219"/>
+          </a:xfrm>
+          <a:prstGeom prst="rect">
+            <a:avLst/>
+          </a:prstGeom>
+          <a:noFill/>
+        </p:spPr>
+        <p:txBody>
+          <a:bodyPr wrap="none" rtlCol="0">
+            <a:spAutoFit/>
+          </a:bodyPr>
+          <a:lstStyle/>
+          <a:p>
+            <a:r>
+              <a:rPr lang="en-US" altLang="ko-KR" sz="3200" b="1" dirty="0">
+                <a:solidFill>
+                  <a:schemeClr val="accent2">
+                    <a:lumMod val="50000"/>
+                  </a:schemeClr>
+                </a:solidFill>
+              </a:rPr>
+              <a:t>State</a:t>
+            </a:r>
+            <a:r>
+              <a:rPr lang="ko-KR" altLang="en-US" sz="3200" b="1" dirty="0">
+                <a:solidFill>
+                  <a:schemeClr val="accent2">
+                    <a:lumMod val="50000"/>
+                  </a:schemeClr>
+                </a:solidFill>
+              </a:rPr>
+              <a:t> </a:t>
+            </a:r>
+            <a:r>
+              <a:rPr lang="en-US" altLang="ko-KR" sz="3200" b="1" dirty="0">
+                <a:solidFill>
+                  <a:schemeClr val="accent2">
+                    <a:lumMod val="50000"/>
+                  </a:schemeClr>
+                </a:solidFill>
+              </a:rPr>
+              <a:t>Machine</a:t>
+            </a:r>
+          </a:p>
+          <a:p>
+            <a:pPr marL="285750" indent="-285750">
+              <a:buFont typeface="Arial" panose="020B0604020202020204" pitchFamily="34" charset="0"/>
+              <a:buChar char="•"/>
+            </a:pPr>
+            <a:r>
+              <a:rPr lang="en-US" altLang="ko-KR" sz="1400" dirty="0" err="1">
+                <a:solidFill>
+                  <a:schemeClr val="accent2">
+                    <a:lumMod val="50000"/>
+                  </a:schemeClr>
+                </a:solidFill>
+              </a:rPr>
+              <a:t>change_state</a:t>
+            </a:r>
+            <a:r>
+              <a:rPr lang="en-US" altLang="ko-KR" sz="1400" dirty="0">
+                <a:solidFill>
+                  <a:schemeClr val="accent2">
+                    <a:lumMod val="50000"/>
+                  </a:schemeClr>
+                </a:solidFill>
+              </a:rPr>
+              <a:t>()</a:t>
+            </a:r>
+            <a:endParaRPr lang="ko-KR" altLang="en-US" sz="1400" dirty="0">
+              <a:solidFill>
+                <a:schemeClr val="accent2">
+                  <a:lumMod val="50000"/>
+                </a:schemeClr>
+              </a:solidFill>
+            </a:endParaRPr>
+          </a:p>
+        </p:txBody>
+      </p:sp>
+      <p:sp>
+        <p:nvSpPr>
+          <p:cNvPr id="12" name="TextBox 11">
+            <a:extLst>
+              <a:ext uri="{FF2B5EF4-FFF2-40B4-BE49-F238E27FC236}">
+                <a16:creationId xmlns:a16="http://schemas.microsoft.com/office/drawing/2014/main" id="{B6788E9B-1072-4007-A2DF-C2B0B92578F7}"/>
+              </a:ext>
+            </a:extLst>
+          </p:cNvPr>
+          <p:cNvSpPr txBox="1"/>
+          <p:nvPr/>
+        </p:nvSpPr>
+        <p:spPr>
+          <a:xfrm>
+            <a:off x="980704" y="440914"/>
+            <a:ext cx="1470500" cy="584775"/>
+          </a:xfrm>
+          <a:prstGeom prst="rect">
+            <a:avLst/>
+          </a:prstGeom>
+          <a:noFill/>
+        </p:spPr>
+        <p:txBody>
+          <a:bodyPr wrap="square" rtlCol="0">
+            <a:spAutoFit/>
+          </a:bodyPr>
+          <a:lstStyle/>
+          <a:p>
+            <a:r>
+              <a:rPr lang="en-US" altLang="ko-KR" sz="3200" b="1" dirty="0">
+                <a:solidFill>
+                  <a:schemeClr val="accent3">
+                    <a:lumMod val="50000"/>
+                  </a:schemeClr>
+                </a:solidFill>
+              </a:rPr>
+              <a:t>Player</a:t>
+            </a:r>
+            <a:endParaRPr lang="ko-KR" altLang="en-US" sz="1400" dirty="0">
+              <a:solidFill>
+                <a:schemeClr val="accent3">
+                  <a:lumMod val="50000"/>
+                </a:schemeClr>
+              </a:solidFill>
+            </a:endParaRPr>
+          </a:p>
+        </p:txBody>
+      </p:sp>
     </p:spTree>
     <p:extLst>
       <p:ext uri="{BB962C8B-B14F-4D97-AF65-F5344CB8AC3E}">
